--- a/SHIFT4IT/SDLC/6-software-development-life-cycle.pptx.pptx
+++ b/SHIFT4IT/SDLC/6-software-development-life-cycle.pptx.pptx
@@ -22,9 +22,9 @@
     <p:sldId id="278" r:id="rId13"/>
     <p:sldId id="279" r:id="rId14"/>
     <p:sldId id="280" r:id="rId15"/>
-    <p:sldId id="287" r:id="rId16"/>
-    <p:sldId id="284" r:id="rId17"/>
-    <p:sldId id="285" r:id="rId18"/>
+    <p:sldId id="284" r:id="rId16"/>
+    <p:sldId id="285" r:id="rId17"/>
+    <p:sldId id="287" r:id="rId18"/>
   </p:sldIdLst>
   <p:sldSz cx="12192000" cy="6858000"/>
   <p:notesSz cx="6858000" cy="9144000"/>
@@ -216,7 +216,7 @@
           <a:p>
             <a:fld id="{2C027FDF-D9AC-4497-8AF1-9347ACD4697E}" type="datetimeFigureOut">
               <a:rPr lang="hr-HR" smtClean="0"/>
-              <a:t>10.7.2025.</a:t>
+              <a:t>11.7.2025.</a:t>
             </a:fld>
             <a:endParaRPr lang="hr-HR"/>
           </a:p>
@@ -1574,7 +1574,7 @@
           <a:p>
             <a:fld id="{90A064B2-EFF6-4760-BE09-0DEDA56827BE}" type="slidenum">
               <a:rPr lang="hr-HR" smtClean="0"/>
-              <a:t>15</a:t>
+              <a:t>17</a:t>
             </a:fld>
             <a:endParaRPr lang="hr-HR"/>
           </a:p>
@@ -6081,7 +6081,7 @@
           <a:p>
             <a:fld id="{6963B997-549E-41F4-A1E4-B0CF42B49EF1}" type="datetimeFigureOut">
               <a:rPr lang="hr-HR" smtClean="0"/>
-              <a:t>10.7.2025.</a:t>
+              <a:t>11.7.2025.</a:t>
             </a:fld>
             <a:endParaRPr lang="hr-HR"/>
           </a:p>
@@ -8638,179 +8638,6 @@
   <p:cSld>
     <p:spTree>
       <p:nvGrpSpPr>
-        <p:cNvPr id="1" name=""/>
-        <p:cNvGrpSpPr/>
-        <p:nvPr/>
-      </p:nvGrpSpPr>
-      <p:grpSpPr>
-        <a:xfrm>
-          <a:off x="0" y="0"/>
-          <a:ext cx="0" cy="0"/>
-          <a:chOff x="0" y="0"/>
-          <a:chExt cx="0" cy="0"/>
-        </a:xfrm>
-      </p:grpSpPr>
-      <p:sp>
-        <p:nvSpPr>
-          <p:cNvPr id="2" name="Title 1">
-            <a:extLst>
-              <a:ext uri="{FF2B5EF4-FFF2-40B4-BE49-F238E27FC236}">
-                <a16:creationId xmlns:a16="http://schemas.microsoft.com/office/drawing/2014/main" id="{C74BB21C-8A20-A2FF-9235-8FF8067B95A8}"/>
-              </a:ext>
-            </a:extLst>
-          </p:cNvPr>
-          <p:cNvSpPr>
-            <a:spLocks noGrp="1"/>
-          </p:cNvSpPr>
-          <p:nvPr>
-            <p:ph type="title"/>
-          </p:nvPr>
-        </p:nvSpPr>
-        <p:spPr/>
-        <p:txBody>
-          <a:bodyPr/>
-          <a:lstStyle/>
-          <a:p>
-            <a:r>
-              <a:rPr lang="en-US" dirty="0"/>
-              <a:t>RESOURCES</a:t>
-            </a:r>
-            <a:endParaRPr lang="hr-HR" dirty="0"/>
-          </a:p>
-        </p:txBody>
-      </p:sp>
-      <p:sp>
-        <p:nvSpPr>
-          <p:cNvPr id="4" name="Content Placeholder 3">
-            <a:extLst>
-              <a:ext uri="{FF2B5EF4-FFF2-40B4-BE49-F238E27FC236}">
-                <a16:creationId xmlns:a16="http://schemas.microsoft.com/office/drawing/2014/main" id="{A4174DD5-472D-4731-B877-1D9E2DB6372A}"/>
-              </a:ext>
-            </a:extLst>
-          </p:cNvPr>
-          <p:cNvSpPr>
-            <a:spLocks noGrp="1"/>
-          </p:cNvSpPr>
-          <p:nvPr>
-            <p:ph idx="1"/>
-          </p:nvPr>
-        </p:nvSpPr>
-        <p:spPr/>
-        <p:txBody>
-          <a:bodyPr>
-            <a:normAutofit fontScale="77500" lnSpcReduction="20000"/>
-          </a:bodyPr>
-          <a:lstStyle/>
-          <a:p>
-            <a:r>
-              <a:rPr lang="hr-HR" dirty="0">
-                <a:hlinkClick r:id="rId3"/>
-              </a:rPr>
-              <a:t>https://developer.ibm.com/articles/what-is-the-software-development-life-cycle/</a:t>
-            </a:r>
-            <a:endParaRPr lang="en-US" dirty="0"/>
-          </a:p>
-          <a:p>
-            <a:r>
-              <a:rPr lang="hr-HR" dirty="0">
-                <a:hlinkClick r:id="rId4"/>
-              </a:rPr>
-              <a:t>https://www.atlassian.com/software-development/software-development-life-cycle</a:t>
-            </a:r>
-            <a:endParaRPr lang="en-US" dirty="0"/>
-          </a:p>
-          <a:p>
-            <a:r>
-              <a:rPr lang="hr-HR" dirty="0">
-                <a:hlinkClick r:id="rId5"/>
-              </a:rPr>
-              <a:t>https://www.pmi.org/pmbok-guide-standards/foundational/pmbok</a:t>
-            </a:r>
-            <a:endParaRPr lang="en-US" dirty="0"/>
-          </a:p>
-          <a:p>
-            <a:r>
-              <a:rPr lang="hr-HR" dirty="0">
-                <a:hlinkClick r:id="rId6"/>
-              </a:rPr>
-              <a:t>https://www.geeksforgeeks.org/software-project-planning-in-sdlc/</a:t>
-            </a:r>
-            <a:endParaRPr lang="en-US" dirty="0"/>
-          </a:p>
-          <a:p>
-            <a:r>
-              <a:rPr lang="hr-HR" dirty="0">
-                <a:hlinkClick r:id="rId7"/>
-              </a:rPr>
-              <a:t>https://www.iiba.org/standards-and-resources/babok/</a:t>
-            </a:r>
-            <a:endParaRPr lang="en-US" dirty="0"/>
-          </a:p>
-          <a:p>
-            <a:r>
-              <a:rPr lang="hr-HR" dirty="0">
-                <a:hlinkClick r:id="rId8"/>
-              </a:rPr>
-              <a:t>https://developer.ibm.com/articles/requirements-analysis-and-definition-in-sdlc/</a:t>
-            </a:r>
-            <a:endParaRPr lang="en-US" dirty="0"/>
-          </a:p>
-          <a:p>
-            <a:r>
-              <a:rPr lang="hr-HR" dirty="0">
-                <a:hlinkClick r:id="rId9"/>
-              </a:rPr>
-              <a:t>https://12factor.net/</a:t>
-            </a:r>
-            <a:endParaRPr lang="en-US" dirty="0"/>
-          </a:p>
-          <a:p>
-            <a:r>
-              <a:rPr lang="hr-HR" dirty="0">
-                <a:hlinkClick r:id="rId10"/>
-              </a:rPr>
-              <a:t>https://learn.microsoft.com/azure/architecture/guide/</a:t>
-            </a:r>
-            <a:endParaRPr lang="en-US" dirty="0"/>
-          </a:p>
-          <a:p>
-            <a:r>
-              <a:rPr lang="hr-HR" dirty="0">
-                <a:hlinkClick r:id="rId11"/>
-              </a:rPr>
-              <a:t>https://docs.aws.amazon.com/elasticbeanstalk/latest/dg/Welcome.html</a:t>
-            </a:r>
-            <a:endParaRPr lang="en-US" dirty="0"/>
-          </a:p>
-          <a:p>
-            <a:r>
-              <a:rPr lang="hr-HR" dirty="0">
-                <a:hlinkClick r:id="rId12"/>
-              </a:rPr>
-              <a:t>https://12factor.net/dev-prod-parity</a:t>
-            </a:r>
-            <a:endParaRPr lang="hr-HR" dirty="0"/>
-          </a:p>
-        </p:txBody>
-      </p:sp>
-    </p:spTree>
-    <p:extLst>
-      <p:ext uri="{BB962C8B-B14F-4D97-AF65-F5344CB8AC3E}">
-        <p14:creationId xmlns:p14="http://schemas.microsoft.com/office/powerpoint/2010/main" val="194581354"/>
-      </p:ext>
-    </p:extLst>
-  </p:cSld>
-  <p:clrMapOvr>
-    <a:masterClrMapping/>
-  </p:clrMapOvr>
-</p:sld>
-</file>
-
-<file path=ppt/slides/slide16.xml><?xml version="1.0" encoding="utf-8"?>
-<p:sld xmlns:a="http://schemas.openxmlformats.org/drawingml/2006/main" xmlns:r="http://schemas.openxmlformats.org/officeDocument/2006/relationships" xmlns:p="http://schemas.openxmlformats.org/presentationml/2006/main">
-  <p:cSld>
-    <p:spTree>
-      <p:nvGrpSpPr>
         <p:cNvPr id="1" name="">
           <a:extLst>
             <a:ext uri="{FF2B5EF4-FFF2-40B4-BE49-F238E27FC236}">
@@ -9016,7 +8843,7 @@
 </p:sld>
 </file>
 
-<file path=ppt/slides/slide17.xml><?xml version="1.0" encoding="utf-8"?>
+<file path=ppt/slides/slide16.xml><?xml version="1.0" encoding="utf-8"?>
 <p:sld xmlns:a="http://schemas.openxmlformats.org/drawingml/2006/main" xmlns:r="http://schemas.openxmlformats.org/officeDocument/2006/relationships" xmlns:p="http://schemas.openxmlformats.org/presentationml/2006/main">
   <p:cSld>
     <p:spTree>
@@ -9168,6 +8995,179 @@
     <p:extLst>
       <p:ext uri="{BB962C8B-B14F-4D97-AF65-F5344CB8AC3E}">
         <p14:creationId xmlns:p14="http://schemas.microsoft.com/office/powerpoint/2010/main" val="758395701"/>
+      </p:ext>
+    </p:extLst>
+  </p:cSld>
+  <p:clrMapOvr>
+    <a:masterClrMapping/>
+  </p:clrMapOvr>
+</p:sld>
+</file>
+
+<file path=ppt/slides/slide17.xml><?xml version="1.0" encoding="utf-8"?>
+<p:sld xmlns:a="http://schemas.openxmlformats.org/drawingml/2006/main" xmlns:r="http://schemas.openxmlformats.org/officeDocument/2006/relationships" xmlns:p="http://schemas.openxmlformats.org/presentationml/2006/main">
+  <p:cSld>
+    <p:spTree>
+      <p:nvGrpSpPr>
+        <p:cNvPr id="1" name=""/>
+        <p:cNvGrpSpPr/>
+        <p:nvPr/>
+      </p:nvGrpSpPr>
+      <p:grpSpPr>
+        <a:xfrm>
+          <a:off x="0" y="0"/>
+          <a:ext cx="0" cy="0"/>
+          <a:chOff x="0" y="0"/>
+          <a:chExt cx="0" cy="0"/>
+        </a:xfrm>
+      </p:grpSpPr>
+      <p:sp>
+        <p:nvSpPr>
+          <p:cNvPr id="2" name="Title 1">
+            <a:extLst>
+              <a:ext uri="{FF2B5EF4-FFF2-40B4-BE49-F238E27FC236}">
+                <a16:creationId xmlns:a16="http://schemas.microsoft.com/office/drawing/2014/main" id="{C74BB21C-8A20-A2FF-9235-8FF8067B95A8}"/>
+              </a:ext>
+            </a:extLst>
+          </p:cNvPr>
+          <p:cNvSpPr>
+            <a:spLocks noGrp="1"/>
+          </p:cNvSpPr>
+          <p:nvPr>
+            <p:ph type="title"/>
+          </p:nvPr>
+        </p:nvSpPr>
+        <p:spPr/>
+        <p:txBody>
+          <a:bodyPr/>
+          <a:lstStyle/>
+          <a:p>
+            <a:r>
+              <a:rPr lang="en-US" dirty="0"/>
+              <a:t>RESOURCES</a:t>
+            </a:r>
+            <a:endParaRPr lang="hr-HR" dirty="0"/>
+          </a:p>
+        </p:txBody>
+      </p:sp>
+      <p:sp>
+        <p:nvSpPr>
+          <p:cNvPr id="4" name="Content Placeholder 3">
+            <a:extLst>
+              <a:ext uri="{FF2B5EF4-FFF2-40B4-BE49-F238E27FC236}">
+                <a16:creationId xmlns:a16="http://schemas.microsoft.com/office/drawing/2014/main" id="{A4174DD5-472D-4731-B877-1D9E2DB6372A}"/>
+              </a:ext>
+            </a:extLst>
+          </p:cNvPr>
+          <p:cNvSpPr>
+            <a:spLocks noGrp="1"/>
+          </p:cNvSpPr>
+          <p:nvPr>
+            <p:ph idx="1"/>
+          </p:nvPr>
+        </p:nvSpPr>
+        <p:spPr/>
+        <p:txBody>
+          <a:bodyPr>
+            <a:normAutofit fontScale="77500" lnSpcReduction="20000"/>
+          </a:bodyPr>
+          <a:lstStyle/>
+          <a:p>
+            <a:r>
+              <a:rPr lang="hr-HR" dirty="0">
+                <a:hlinkClick r:id="rId3"/>
+              </a:rPr>
+              <a:t>https://developer.ibm.com/articles/what-is-the-software-development-life-cycle/</a:t>
+            </a:r>
+            <a:endParaRPr lang="en-US" dirty="0"/>
+          </a:p>
+          <a:p>
+            <a:r>
+              <a:rPr lang="hr-HR" dirty="0">
+                <a:hlinkClick r:id="rId4"/>
+              </a:rPr>
+              <a:t>https://www.atlassian.com/software-development/software-development-life-cycle</a:t>
+            </a:r>
+            <a:endParaRPr lang="en-US" dirty="0"/>
+          </a:p>
+          <a:p>
+            <a:r>
+              <a:rPr lang="hr-HR" dirty="0">
+                <a:hlinkClick r:id="rId5"/>
+              </a:rPr>
+              <a:t>https://www.pmi.org/pmbok-guide-standards/foundational/pmbok</a:t>
+            </a:r>
+            <a:endParaRPr lang="en-US" dirty="0"/>
+          </a:p>
+          <a:p>
+            <a:r>
+              <a:rPr lang="hr-HR" dirty="0">
+                <a:hlinkClick r:id="rId6"/>
+              </a:rPr>
+              <a:t>https://www.geeksforgeeks.org/software-project-planning-in-sdlc/</a:t>
+            </a:r>
+            <a:endParaRPr lang="en-US" dirty="0"/>
+          </a:p>
+          <a:p>
+            <a:r>
+              <a:rPr lang="hr-HR" dirty="0">
+                <a:hlinkClick r:id="rId7"/>
+              </a:rPr>
+              <a:t>https://www.iiba.org/standards-and-resources/babok/</a:t>
+            </a:r>
+            <a:endParaRPr lang="en-US" dirty="0"/>
+          </a:p>
+          <a:p>
+            <a:r>
+              <a:rPr lang="hr-HR" dirty="0">
+                <a:hlinkClick r:id="rId8"/>
+              </a:rPr>
+              <a:t>https://developer.ibm.com/articles/requirements-analysis-and-definition-in-sdlc/</a:t>
+            </a:r>
+            <a:endParaRPr lang="en-US" dirty="0"/>
+          </a:p>
+          <a:p>
+            <a:r>
+              <a:rPr lang="hr-HR" dirty="0">
+                <a:hlinkClick r:id="rId9"/>
+              </a:rPr>
+              <a:t>https://12factor.net/</a:t>
+            </a:r>
+            <a:endParaRPr lang="en-US" dirty="0"/>
+          </a:p>
+          <a:p>
+            <a:r>
+              <a:rPr lang="hr-HR" dirty="0">
+                <a:hlinkClick r:id="rId10"/>
+              </a:rPr>
+              <a:t>https://learn.microsoft.com/azure/architecture/guide/</a:t>
+            </a:r>
+            <a:endParaRPr lang="en-US" dirty="0"/>
+          </a:p>
+          <a:p>
+            <a:r>
+              <a:rPr lang="hr-HR" dirty="0">
+                <a:hlinkClick r:id="rId11"/>
+              </a:rPr>
+              <a:t>https://docs.aws.amazon.com/elasticbeanstalk/latest/dg/Welcome.html</a:t>
+            </a:r>
+            <a:endParaRPr lang="en-US" dirty="0"/>
+          </a:p>
+          <a:p>
+            <a:r>
+              <a:rPr lang="hr-HR" dirty="0">
+                <a:hlinkClick r:id="rId12"/>
+              </a:rPr>
+              <a:t>https://12factor.net/dev-prod-parity</a:t>
+            </a:r>
+            <a:endParaRPr lang="hr-HR" dirty="0"/>
+          </a:p>
+        </p:txBody>
+      </p:sp>
+    </p:spTree>
+    <p:extLst>
+      <p:ext uri="{BB962C8B-B14F-4D97-AF65-F5344CB8AC3E}">
+        <p14:creationId xmlns:p14="http://schemas.microsoft.com/office/powerpoint/2010/main" val="194581354"/>
       </p:ext>
     </p:extLst>
   </p:cSld>
